--- a/2021f_w6998/sessions/presentation.pptx
+++ b/2021f_w6998/sessions/presentation.pptx
@@ -111,6 +111,11 @@
       </a:defRPr>
     </a:lvl9pPr>
   </p:defaultTextStyle>
+  <p:extLst>
+    <p:ext uri="{EFAFB233-063F-42B5-8137-9DF3F51BA10A}">
+      <p15:sldGuideLst xmlns:p15="http://schemas.microsoft.com/office/powerpoint/2012/main"/>
+    </p:ext>
+  </p:extLst>
 </p:presentation>
 </file>
 
@@ -3350,9 +3355,10 @@
           <a:lstStyle/>
           <a:p>
             <a:r>
-              <a:rPr lang="en-US" dirty="0"/>
-              <a:t>Overview. Presentation 5% EC</a:t>
-            </a:r>
+              <a:rPr lang="en-US"/>
+              <a:t>Overview</a:t>
+            </a:r>
+            <a:endParaRPr lang="en-US" dirty="0"/>
           </a:p>
         </p:txBody>
       </p:sp>
@@ -3435,6 +3441,12 @@
             <a:r>
               <a:rPr lang="en-US" b="1" dirty="0"/>
               <a:t>don't download the authors' slides</a:t>
+            </a:r>
+          </a:p>
+          <a:p>
+            <a:r>
+              <a:rPr lang="en-US" dirty="0"/>
+              <a:t>Figures, images, examples are good!!!</a:t>
             </a:r>
           </a:p>
           <a:p>
